--- a/Client Presentation.pptx
+++ b/Client Presentation.pptx
@@ -235,7 +235,7 @@
           <a:p>
             <a:fld id="{9E88B8F3-31C2-4698-B74C-D5D76CFD8ACD}" type="datetimeFigureOut">
               <a:rPr lang="ru-RU" smtClean="0"/>
-              <a:t>11.09.2023</a:t>
+              <a:t>12.09.2023</a:t>
             </a:fld>
             <a:endParaRPr lang="ru-RU" dirty="0"/>
           </a:p>
@@ -412,7 +412,7 @@
           <a:p>
             <a:fld id="{7000EB3D-2307-4317-8A1D-B47FA45245F0}" type="datetimeFigureOut">
               <a:rPr lang="ru-RU" smtClean="0"/>
-              <a:t>11.09.2023</a:t>
+              <a:t>12.09.2023</a:t>
             </a:fld>
             <a:endParaRPr lang="ru-RU" dirty="0"/>
           </a:p>
@@ -809,7 +809,7 @@
           <a:p>
             <a:fld id="{824425CD-0A81-4F34-97D3-97E7F2F9FFF1}" type="datetimeFigureOut">
               <a:rPr lang="en-US" smtClean="0"/>
-              <a:t>9/11/2023</a:t>
+              <a:t>9/12/2023</a:t>
             </a:fld>
             <a:endParaRPr lang="en-US"/>
           </a:p>
@@ -6864,7 +6864,7 @@
           <a:p>
             <a:fld id="{824425CD-0A81-4F34-97D3-97E7F2F9FFF1}" type="datetimeFigureOut">
               <a:rPr lang="en-US" smtClean="0"/>
-              <a:t>9/11/2023</a:t>
+              <a:t>9/12/2023</a:t>
             </a:fld>
             <a:endParaRPr lang="en-US"/>
           </a:p>
@@ -9826,7 +9826,7 @@
           <a:p>
             <a:fld id="{824425CD-0A81-4F34-97D3-97E7F2F9FFF1}" type="datetimeFigureOut">
               <a:rPr lang="en-US" smtClean="0"/>
-              <a:t>9/11/2023</a:t>
+              <a:t>9/12/2023</a:t>
             </a:fld>
             <a:endParaRPr lang="en-US"/>
           </a:p>
@@ -10221,7 +10221,7 @@
           <a:p>
             <a:fld id="{824425CD-0A81-4F34-97D3-97E7F2F9FFF1}" type="datetimeFigureOut">
               <a:rPr lang="en-US" smtClean="0"/>
-              <a:t>9/11/2023</a:t>
+              <a:t>9/12/2023</a:t>
             </a:fld>
             <a:endParaRPr lang="en-US"/>
           </a:p>
@@ -10988,7 +10988,7 @@
           <a:p>
             <a:fld id="{824425CD-0A81-4F34-97D3-97E7F2F9FFF1}" type="datetimeFigureOut">
               <a:rPr lang="en-US" smtClean="0"/>
-              <a:t>9/11/2023</a:t>
+              <a:t>9/12/2023</a:t>
             </a:fld>
             <a:endParaRPr lang="en-US"/>
           </a:p>
@@ -11508,7 +11508,7 @@
           <a:p>
             <a:fld id="{824425CD-0A81-4F34-97D3-97E7F2F9FFF1}" type="datetimeFigureOut">
               <a:rPr lang="en-US" smtClean="0"/>
-              <a:t>9/11/2023</a:t>
+              <a:t>9/12/2023</a:t>
             </a:fld>
             <a:endParaRPr lang="en-US"/>
           </a:p>
@@ -12006,7 +12006,7 @@
           <a:p>
             <a:fld id="{824425CD-0A81-4F34-97D3-97E7F2F9FFF1}" type="datetimeFigureOut">
               <a:rPr lang="en-US" smtClean="0"/>
-              <a:t>9/11/2023</a:t>
+              <a:t>9/12/2023</a:t>
             </a:fld>
             <a:endParaRPr lang="en-US"/>
           </a:p>
@@ -12602,7 +12602,7 @@
           <a:p>
             <a:fld id="{824425CD-0A81-4F34-97D3-97E7F2F9FFF1}" type="datetimeFigureOut">
               <a:rPr lang="en-US" smtClean="0"/>
-              <a:t>9/11/2023</a:t>
+              <a:t>9/12/2023</a:t>
             </a:fld>
             <a:endParaRPr lang="en-US"/>
           </a:p>
@@ -13257,7 +13257,7 @@
           <a:p>
             <a:fld id="{824425CD-0A81-4F34-97D3-97E7F2F9FFF1}" type="datetimeFigureOut">
               <a:rPr lang="en-US" smtClean="0"/>
-              <a:t>9/11/2023</a:t>
+              <a:t>9/12/2023</a:t>
             </a:fld>
             <a:endParaRPr lang="en-US"/>
           </a:p>
@@ -16284,61 +16284,107 @@
           </a:bodyPr>
           <a:lstStyle/>
           <a:p>
-            <a:r>
-              <a:rPr lang="en-US" sz="2400" dirty="0">
+            <a:pPr marL="0"/>
+            <a:r>
+              <a:rPr lang="en-US" sz="1800" dirty="0">
                 <a:solidFill>
-                  <a:schemeClr val="tx1"/>
+                  <a:srgbClr val="374151"/>
                 </a:solidFill>
+                <a:latin typeface="Söhne"/>
               </a:rPr>
               <a:t>AutoML Accuracy:79%</a:t>
             </a:r>
           </a:p>
           <a:p>
-            <a:endParaRPr lang="en-US" sz="2400" dirty="0">
+            <a:pPr marL="0"/>
+            <a:endParaRPr lang="en-US" sz="1800" dirty="0">
               <a:solidFill>
-                <a:schemeClr val="tx1"/>
+                <a:srgbClr val="374151"/>
               </a:solidFill>
+              <a:latin typeface="Söhne"/>
             </a:endParaRPr>
           </a:p>
           <a:p>
-            <a:r>
-              <a:rPr lang="en-US" sz="2400" dirty="0">
+            <a:pPr marL="0"/>
+            <a:r>
+              <a:rPr lang="en-US" sz="1800" dirty="0">
                 <a:solidFill>
-                  <a:schemeClr val="tx1"/>
+                  <a:srgbClr val="374151"/>
                 </a:solidFill>
+                <a:latin typeface="Söhne"/>
               </a:rPr>
               <a:t>Bespoke ML Accuracy: 77%</a:t>
             </a:r>
           </a:p>
           <a:p>
-            <a:endParaRPr lang="en-US" sz="2400" dirty="0">
+            <a:pPr marL="0"/>
+            <a:endParaRPr lang="en-US" sz="1800" dirty="0">
               <a:solidFill>
-                <a:schemeClr val="tx1"/>
+                <a:srgbClr val="374151"/>
               </a:solidFill>
+              <a:latin typeface="Söhne"/>
             </a:endParaRPr>
           </a:p>
           <a:p>
-            <a:r>
-              <a:rPr lang="en-US" sz="2400" dirty="0">
+            <a:pPr marL="0"/>
+            <a:r>
+              <a:rPr lang="en-US" sz="1800" dirty="0">
                 <a:solidFill>
-                  <a:schemeClr val="tx1"/>
+                  <a:srgbClr val="374151"/>
                 </a:solidFill>
+                <a:latin typeface="Söhne"/>
               </a:rPr>
-              <a:t>Accuracy in model prediction is a measure of how many of the total predictions made by a machine learning model are correct. </a:t>
-            </a:r>
-          </a:p>
-          <a:p>
-            <a:endParaRPr lang="en-US" sz="2400" dirty="0">
+              <a:t>Accuracy in model prediction is a measure of how many of the total predictions made </a:t>
+            </a:r>
+          </a:p>
+          <a:p>
+            <a:pPr marL="0" indent="0">
+              <a:buNone/>
+            </a:pPr>
+            <a:r>
+              <a:rPr lang="en-US" sz="1800" dirty="0">
+                <a:solidFill>
+                  <a:srgbClr val="374151"/>
+                </a:solidFill>
+                <a:latin typeface="Söhne"/>
+              </a:rPr>
+              <a:t>   by a machine learning </a:t>
+            </a:r>
+            <a:r>
+              <a:rPr lang="en-US" sz="1800">
+                <a:solidFill>
+                  <a:srgbClr val="374151"/>
+                </a:solidFill>
+                <a:latin typeface="Söhne"/>
+              </a:rPr>
+              <a:t>model are correct</a:t>
+            </a:r>
+            <a:r>
+              <a:rPr lang="en-US" sz="1800" dirty="0">
+                <a:solidFill>
+                  <a:srgbClr val="374151"/>
+                </a:solidFill>
+                <a:latin typeface="Söhne"/>
+              </a:rPr>
+              <a:t>. </a:t>
+            </a:r>
+          </a:p>
+          <a:p>
+            <a:pPr marL="0"/>
+            <a:endParaRPr lang="en-US" sz="1800" dirty="0">
               <a:solidFill>
-                <a:schemeClr val="tx1"/>
+                <a:srgbClr val="374151"/>
               </a:solidFill>
+              <a:latin typeface="Söhne"/>
             </a:endParaRPr>
           </a:p>
           <a:p>
-            <a:endParaRPr lang="en-US" sz="2400" dirty="0">
+            <a:pPr marL="0"/>
+            <a:endParaRPr lang="en-US" sz="1800" dirty="0">
               <a:solidFill>
-                <a:schemeClr val="tx1"/>
+                <a:srgbClr val="374151"/>
               </a:solidFill>
+              <a:latin typeface="Söhne"/>
             </a:endParaRPr>
           </a:p>
         </p:txBody>
@@ -17268,6 +17314,15 @@
 </file>
 
 <file path=customXml/item1.xml><?xml version="1.0" encoding="utf-8"?>
+<p:properties xmlns:p="http://schemas.microsoft.com/office/2006/metadata/properties" xmlns:xsi="http://www.w3.org/2001/XMLSchema-instance" xmlns:pc="http://schemas.microsoft.com/office/infopath/2007/PartnerControls">
+  <documentManagement>
+    <_ip_UnifiedCompliancePolicyUIAction xmlns="http://schemas.microsoft.com/sharepoint/v3" xsi:nil="true"/>
+    <_ip_UnifiedCompliancePolicyProperties xmlns="http://schemas.microsoft.com/sharepoint/v3" xsi:nil="true"/>
+  </documentManagement>
+</p:properties>
+</file>
+
+<file path=customXml/item2.xml><?xml version="1.0" encoding="utf-8"?>
 <ct:contentTypeSchema xmlns:ct="http://schemas.microsoft.com/office/2006/metadata/contentType" xmlns:ma="http://schemas.microsoft.com/office/2006/metadata/properties/metaAttributes" ct:_="" ma:_="" ma:contentTypeName="Document" ma:contentTypeID="0x010100DEEA25CC0A0AC24199CDC46C25B8B0BC" ma:contentTypeVersion="10" ma:contentTypeDescription="Create a new document." ma:contentTypeScope="" ma:versionID="e3b47856d4cf355c0dacb39e1084d14f">
   <xsd:schema xmlns:xsd="http://www.w3.org/2001/XMLSchema" xmlns:xs="http://www.w3.org/2001/XMLSchema" xmlns:p="http://schemas.microsoft.com/office/2006/metadata/properties" xmlns:ns1="http://schemas.microsoft.com/sharepoint/v3" xmlns:ns2="6dc4bcd6-49db-4c07-9060-8acfc67cef9f" xmlns:ns3="fb0879af-3eba-417a-a55a-ffe6dcd6ca77" targetNamespace="http://schemas.microsoft.com/office/2006/metadata/properties" ma:root="true" ma:fieldsID="a845a615265fdb1f7b12cc65ac20ecbd" ns1:_="" ns2:_="" ns3:_="">
     <xsd:import namespace="http://schemas.microsoft.com/sharepoint/v3"/>
@@ -17475,15 +17530,6 @@
 </ct:contentTypeSchema>
 </file>
 
-<file path=customXml/item2.xml><?xml version="1.0" encoding="utf-8"?>
-<p:properties xmlns:p="http://schemas.microsoft.com/office/2006/metadata/properties" xmlns:xsi="http://www.w3.org/2001/XMLSchema-instance" xmlns:pc="http://schemas.microsoft.com/office/infopath/2007/PartnerControls">
-  <documentManagement>
-    <_ip_UnifiedCompliancePolicyUIAction xmlns="http://schemas.microsoft.com/sharepoint/v3" xsi:nil="true"/>
-    <_ip_UnifiedCompliancePolicyProperties xmlns="http://schemas.microsoft.com/sharepoint/v3" xsi:nil="true"/>
-  </documentManagement>
-</p:properties>
-</file>
-
 <file path=customXml/item3.xml><?xml version="1.0" encoding="utf-8"?>
 <?mso-contentType ?>
 <FormTemplates xmlns="http://schemas.microsoft.com/sharepoint/v3/contenttype/forms">
@@ -17494,6 +17540,16 @@
 </file>
 
 <file path=customXml/itemProps1.xml><?xml version="1.0" encoding="utf-8"?>
+<ds:datastoreItem xmlns:ds="http://schemas.openxmlformats.org/officeDocument/2006/customXml" ds:itemID="{947A0EF5-23A9-4627-BC46-745B7DD804D2}">
+  <ds:schemaRefs>
+    <ds:schemaRef ds:uri="http://schemas.microsoft.com/office/2006/metadata/properties"/>
+    <ds:schemaRef ds:uri="http://schemas.microsoft.com/office/infopath/2007/PartnerControls"/>
+    <ds:schemaRef ds:uri="http://schemas.microsoft.com/sharepoint/v3"/>
+  </ds:schemaRefs>
+</ds:datastoreItem>
+</file>
+
+<file path=customXml/itemProps2.xml><?xml version="1.0" encoding="utf-8"?>
 <ds:datastoreItem xmlns:ds="http://schemas.openxmlformats.org/officeDocument/2006/customXml" ds:itemID="{F2807890-83DC-4772-9CAD-F7CB30099A10}">
   <ds:schemaRefs>
     <ds:schemaRef ds:uri="http://schemas.microsoft.com/office/2006/metadata/contentType"/>
@@ -17513,16 +17569,6 @@
 </ds:datastoreItem>
 </file>
 
-<file path=customXml/itemProps2.xml><?xml version="1.0" encoding="utf-8"?>
-<ds:datastoreItem xmlns:ds="http://schemas.openxmlformats.org/officeDocument/2006/customXml" ds:itemID="{947A0EF5-23A9-4627-BC46-745B7DD804D2}">
-  <ds:schemaRefs>
-    <ds:schemaRef ds:uri="http://schemas.microsoft.com/office/2006/metadata/properties"/>
-    <ds:schemaRef ds:uri="http://schemas.microsoft.com/office/infopath/2007/PartnerControls"/>
-    <ds:schemaRef ds:uri="http://schemas.microsoft.com/sharepoint/v3"/>
-  </ds:schemaRefs>
-</ds:datastoreItem>
-</file>
-
 <file path=customXml/itemProps3.xml><?xml version="1.0" encoding="utf-8"?>
 <ds:datastoreItem xmlns:ds="http://schemas.openxmlformats.org/officeDocument/2006/customXml" ds:itemID="{8C5154C8-4BB5-43F2-9F6C-5E79271A0D50}">
   <ds:schemaRefs>
